--- a/Capstone/logistics/logistics.pptx
+++ b/Capstone/logistics/logistics.pptx
@@ -5,10 +5,10 @@
     <p:sldMasterId id="2147483648" r:id="rId1"/>
   </p:sldMasterIdLst>
   <p:notesMasterIdLst>
-    <p:notesMasterId r:id="rId12"/>
+    <p:notesMasterId r:id="rId13"/>
   </p:notesMasterIdLst>
   <p:handoutMasterIdLst>
-    <p:handoutMasterId r:id="rId13"/>
+    <p:handoutMasterId r:id="rId14"/>
   </p:handoutMasterIdLst>
   <p:sldIdLst>
     <p:sldId id="257" r:id="rId2"/>
@@ -20,7 +20,8 @@
     <p:sldId id="272" r:id="rId8"/>
     <p:sldId id="273" r:id="rId9"/>
     <p:sldId id="286" r:id="rId10"/>
-    <p:sldId id="269" r:id="rId11"/>
+    <p:sldId id="287" r:id="rId11"/>
+    <p:sldId id="269" r:id="rId12"/>
   </p:sldIdLst>
   <p:sldSz cx="12192000" cy="6858000"/>
   <p:notesSz cx="6858000" cy="9144000"/>
@@ -1440,6 +1441,114 @@
     <p:extLst>
       <p:ext uri="{BB962C8B-B14F-4D97-AF65-F5344CB8AC3E}">
         <p14:creationId xmlns:p14="http://schemas.microsoft.com/office/powerpoint/2010/main" val="2120657824"/>
+      </p:ext>
+    </p:extLst>
+  </p:cSld>
+  <p:clrMapOvr>
+    <a:masterClrMapping/>
+  </p:clrMapOvr>
+</p:notes>
+</file>
+
+<file path=ppt/notesSlides/notesSlide9.xml><?xml version="1.0" encoding="utf-8"?>
+<p:notes xmlns:a="http://schemas.openxmlformats.org/drawingml/2006/main" xmlns:r="http://schemas.openxmlformats.org/officeDocument/2006/relationships" xmlns:p="http://schemas.openxmlformats.org/presentationml/2006/main">
+  <p:cSld>
+    <p:spTree>
+      <p:nvGrpSpPr>
+        <p:cNvPr id="1" name="">
+          <a:extLst>
+            <a:ext uri="{FF2B5EF4-FFF2-40B4-BE49-F238E27FC236}">
+              <a16:creationId xmlns:a16="http://schemas.microsoft.com/office/drawing/2014/main" id="{91F3BAE5-443F-1F9F-BF47-BB9E168907BD}"/>
+            </a:ext>
+          </a:extLst>
+        </p:cNvPr>
+        <p:cNvGrpSpPr/>
+        <p:nvPr/>
+      </p:nvGrpSpPr>
+      <p:grpSpPr>
+        <a:xfrm>
+          <a:off x="0" y="0"/>
+          <a:ext cx="0" cy="0"/>
+          <a:chOff x="0" y="0"/>
+          <a:chExt cx="0" cy="0"/>
+        </a:xfrm>
+      </p:grpSpPr>
+      <p:sp>
+        <p:nvSpPr>
+          <p:cNvPr id="2" name="Slide Image Placeholder 1">
+            <a:extLst>
+              <a:ext uri="{FF2B5EF4-FFF2-40B4-BE49-F238E27FC236}">
+                <a16:creationId xmlns:a16="http://schemas.microsoft.com/office/drawing/2014/main" id="{D69C5DE5-438B-EBC5-F625-38311A696AD8}"/>
+              </a:ext>
+            </a:extLst>
+          </p:cNvPr>
+          <p:cNvSpPr>
+            <a:spLocks noGrp="1" noRot="1" noChangeAspect="1"/>
+          </p:cNvSpPr>
+          <p:nvPr>
+            <p:ph type="sldImg"/>
+          </p:nvPr>
+        </p:nvSpPr>
+        <p:spPr/>
+      </p:sp>
+      <p:sp>
+        <p:nvSpPr>
+          <p:cNvPr id="3" name="Notes Placeholder 2">
+            <a:extLst>
+              <a:ext uri="{FF2B5EF4-FFF2-40B4-BE49-F238E27FC236}">
+                <a16:creationId xmlns:a16="http://schemas.microsoft.com/office/drawing/2014/main" id="{523739CC-69A1-23A3-DB32-463F5E749023}"/>
+              </a:ext>
+            </a:extLst>
+          </p:cNvPr>
+          <p:cNvSpPr>
+            <a:spLocks noGrp="1"/>
+          </p:cNvSpPr>
+          <p:nvPr>
+            <p:ph type="body" idx="1"/>
+          </p:nvPr>
+        </p:nvSpPr>
+        <p:spPr/>
+        <p:txBody>
+          <a:bodyPr/>
+          <a:lstStyle/>
+          <a:p>
+            <a:endParaRPr lang="en-IN" dirty="0"/>
+          </a:p>
+        </p:txBody>
+      </p:sp>
+      <p:sp>
+        <p:nvSpPr>
+          <p:cNvPr id="4" name="Slide Number Placeholder 3">
+            <a:extLst>
+              <a:ext uri="{FF2B5EF4-FFF2-40B4-BE49-F238E27FC236}">
+                <a16:creationId xmlns:a16="http://schemas.microsoft.com/office/drawing/2014/main" id="{2CEF9E26-DAA9-8F26-8DBA-76211183BB53}"/>
+              </a:ext>
+            </a:extLst>
+          </p:cNvPr>
+          <p:cNvSpPr>
+            <a:spLocks noGrp="1"/>
+          </p:cNvSpPr>
+          <p:nvPr>
+            <p:ph type="sldNum" sz="quarter" idx="5"/>
+          </p:nvPr>
+        </p:nvSpPr>
+        <p:spPr/>
+        <p:txBody>
+          <a:bodyPr/>
+          <a:lstStyle/>
+          <a:p>
+            <a:fld id="{E030729B-6FC9-4CE8-982D-0CB2FC4D9116}" type="slidenum">
+              <a:rPr lang="en-IN" smtClean="0"/>
+              <a:t>10</a:t>
+            </a:fld>
+            <a:endParaRPr lang="en-IN"/>
+          </a:p>
+        </p:txBody>
+      </p:sp>
+    </p:spTree>
+    <p:extLst>
+      <p:ext uri="{BB962C8B-B14F-4D97-AF65-F5344CB8AC3E}">
+        <p14:creationId xmlns:p14="http://schemas.microsoft.com/office/powerpoint/2010/main" val="891958212"/>
       </p:ext>
     </p:extLst>
   </p:cSld>
@@ -2552,6 +2661,241 @@
 </file>
 
 <file path=ppt/slides/slide10.xml><?xml version="1.0" encoding="utf-8"?>
+<p:sld xmlns:a="http://schemas.openxmlformats.org/drawingml/2006/main" xmlns:r="http://schemas.openxmlformats.org/officeDocument/2006/relationships" xmlns:p="http://schemas.openxmlformats.org/presentationml/2006/main">
+  <p:cSld>
+    <p:spTree>
+      <p:nvGrpSpPr>
+        <p:cNvPr id="1" name="">
+          <a:extLst>
+            <a:ext uri="{FF2B5EF4-FFF2-40B4-BE49-F238E27FC236}">
+              <a16:creationId xmlns:a16="http://schemas.microsoft.com/office/drawing/2014/main" id="{0B9CE455-6821-FC0D-B54A-2A75BFCD4667}"/>
+            </a:ext>
+          </a:extLst>
+        </p:cNvPr>
+        <p:cNvGrpSpPr/>
+        <p:nvPr/>
+      </p:nvGrpSpPr>
+      <p:grpSpPr>
+        <a:xfrm>
+          <a:off x="0" y="0"/>
+          <a:ext cx="0" cy="0"/>
+          <a:chOff x="0" y="0"/>
+          <a:chExt cx="0" cy="0"/>
+        </a:xfrm>
+      </p:grpSpPr>
+      <p:sp>
+        <p:nvSpPr>
+          <p:cNvPr id="2" name="Title 13">
+            <a:extLst>
+              <a:ext uri="{FF2B5EF4-FFF2-40B4-BE49-F238E27FC236}">
+                <a16:creationId xmlns:a16="http://schemas.microsoft.com/office/drawing/2014/main" id="{2DD73E1A-B877-0376-B363-24EBA0C89AD6}"/>
+              </a:ext>
+            </a:extLst>
+          </p:cNvPr>
+          <p:cNvSpPr txBox="1">
+            <a:spLocks/>
+          </p:cNvSpPr>
+          <p:nvPr/>
+        </p:nvSpPr>
+        <p:spPr>
+          <a:xfrm>
+            <a:off x="755010" y="439039"/>
+            <a:ext cx="8229600" cy="461665"/>
+          </a:xfrm>
+          <a:prstGeom prst="rect">
+            <a:avLst/>
+          </a:prstGeom>
+        </p:spPr>
+        <p:txBody>
+          <a:bodyPr>
+            <a:spAutoFit/>
+          </a:bodyPr>
+          <a:lstStyle>
+            <a:lvl1pPr algn="l" defTabSz="914400" rtl="0" eaLnBrk="1" latinLnBrk="0" hangingPunct="1">
+              <a:spcBef>
+                <a:spcPct val="0"/>
+              </a:spcBef>
+              <a:buNone/>
+              <a:defRPr sz="3200" b="0" kern="1200">
+                <a:solidFill>
+                  <a:schemeClr val="tx1">
+                    <a:lumMod val="65000"/>
+                    <a:lumOff val="35000"/>
+                  </a:schemeClr>
+                </a:solidFill>
+                <a:latin typeface="Source Sans Pro Light" pitchFamily="34" charset="0"/>
+                <a:ea typeface="+mj-ea"/>
+                <a:cs typeface="+mj-cs"/>
+              </a:defRPr>
+            </a:lvl1pPr>
+          </a:lstStyle>
+          <a:p>
+            <a:r>
+              <a:rPr lang="en-US" sz="2400" dirty="0">
+                <a:solidFill>
+                  <a:srgbClr val="6962A8"/>
+                </a:solidFill>
+                <a:latin typeface="Montserrat"/>
+              </a:rPr>
+              <a:t>Source Code</a:t>
+            </a:r>
+          </a:p>
+        </p:txBody>
+      </p:sp>
+      <p:sp>
+        <p:nvSpPr>
+          <p:cNvPr id="5" name="TextBox 4">
+            <a:extLst>
+              <a:ext uri="{FF2B5EF4-FFF2-40B4-BE49-F238E27FC236}">
+                <a16:creationId xmlns:a16="http://schemas.microsoft.com/office/drawing/2014/main" id="{2AA0C91A-0B38-6AF1-9441-819B785B6FFC}"/>
+              </a:ext>
+            </a:extLst>
+          </p:cNvPr>
+          <p:cNvSpPr txBox="1"/>
+          <p:nvPr/>
+        </p:nvSpPr>
+        <p:spPr>
+          <a:xfrm>
+            <a:off x="755010" y="1360117"/>
+            <a:ext cx="10719814" cy="1143070"/>
+          </a:xfrm>
+          <a:prstGeom prst="rect">
+            <a:avLst/>
+          </a:prstGeom>
+          <a:noFill/>
+        </p:spPr>
+        <p:txBody>
+          <a:bodyPr wrap="square" rtlCol="0">
+            <a:spAutoFit/>
+          </a:bodyPr>
+          <a:lstStyle/>
+          <a:p>
+            <a:pPr fontAlgn="base">
+              <a:lnSpc>
+                <a:spcPct val="150000"/>
+              </a:lnSpc>
+            </a:pPr>
+            <a:r>
+              <a:rPr lang="en-GB" sz="2400" dirty="0">
+                <a:hlinkClick r:id="rId3"/>
+              </a:rPr>
+              <a:t>https://github.com/deebendukumar/iitr/tree/main/Capstone/logistics</a:t>
+            </a:r>
+            <a:endParaRPr lang="en-GB" sz="2400" dirty="0"/>
+          </a:p>
+          <a:p>
+            <a:pPr fontAlgn="base">
+              <a:lnSpc>
+                <a:spcPct val="150000"/>
+              </a:lnSpc>
+            </a:pPr>
+            <a:endParaRPr lang="en-GB" sz="2400" dirty="0"/>
+          </a:p>
+        </p:txBody>
+      </p:sp>
+    </p:spTree>
+    <p:extLst>
+      <p:ext uri="{BB962C8B-B14F-4D97-AF65-F5344CB8AC3E}">
+        <p14:creationId xmlns:p14="http://schemas.microsoft.com/office/powerpoint/2010/main" val="3087926378"/>
+      </p:ext>
+    </p:extLst>
+  </p:cSld>
+  <p:clrMapOvr>
+    <a:masterClrMapping/>
+  </p:clrMapOvr>
+  <p:timing>
+    <p:tnLst>
+      <p:par>
+        <p:cTn id="1" dur="indefinite" restart="never" nodeType="tmRoot">
+          <p:childTnLst>
+            <p:seq concurrent="1" nextAc="seek">
+              <p:cTn id="2" dur="indefinite" nodeType="mainSeq">
+                <p:childTnLst>
+                  <p:par>
+                    <p:cTn id="3" fill="hold">
+                      <p:stCondLst>
+                        <p:cond delay="indefinite"/>
+                        <p:cond evt="onBegin" delay="0">
+                          <p:tn val="2"/>
+                        </p:cond>
+                      </p:stCondLst>
+                      <p:childTnLst>
+                        <p:par>
+                          <p:cTn id="4" fill="hold">
+                            <p:stCondLst>
+                              <p:cond delay="0"/>
+                            </p:stCondLst>
+                            <p:childTnLst>
+                              <p:par>
+                                <p:cTn id="5" presetID="16" presetClass="entr" presetSubtype="21" fill="hold" grpId="0" nodeType="withEffect">
+                                  <p:stCondLst>
+                                    <p:cond delay="0"/>
+                                  </p:stCondLst>
+                                  <p:childTnLst>
+                                    <p:set>
+                                      <p:cBhvr>
+                                        <p:cTn id="6" dur="1" fill="hold">
+                                          <p:stCondLst>
+                                            <p:cond delay="0"/>
+                                          </p:stCondLst>
+                                        </p:cTn>
+                                        <p:tgtEl>
+                                          <p:spTgt spid="2"/>
+                                        </p:tgtEl>
+                                        <p:attrNameLst>
+                                          <p:attrName>style.visibility</p:attrName>
+                                        </p:attrNameLst>
+                                      </p:cBhvr>
+                                      <p:to>
+                                        <p:strVal val="visible"/>
+                                      </p:to>
+                                    </p:set>
+                                    <p:animEffect transition="in" filter="barn(inVertical)">
+                                      <p:cBhvr>
+                                        <p:cTn id="7" dur="500"/>
+                                        <p:tgtEl>
+                                          <p:spTgt spid="2"/>
+                                        </p:tgtEl>
+                                      </p:cBhvr>
+                                    </p:animEffect>
+                                  </p:childTnLst>
+                                </p:cTn>
+                              </p:par>
+                            </p:childTnLst>
+                          </p:cTn>
+                        </p:par>
+                      </p:childTnLst>
+                    </p:cTn>
+                  </p:par>
+                </p:childTnLst>
+              </p:cTn>
+              <p:prevCondLst>
+                <p:cond evt="onPrev" delay="0">
+                  <p:tgtEl>
+                    <p:sldTgt/>
+                  </p:tgtEl>
+                </p:cond>
+              </p:prevCondLst>
+              <p:nextCondLst>
+                <p:cond evt="onNext" delay="0">
+                  <p:tgtEl>
+                    <p:sldTgt/>
+                  </p:tgtEl>
+                </p:cond>
+              </p:nextCondLst>
+            </p:seq>
+          </p:childTnLst>
+        </p:cTn>
+      </p:par>
+    </p:tnLst>
+    <p:bldLst>
+      <p:bldP spid="2" grpId="0"/>
+    </p:bldLst>
+  </p:timing>
+</p:sld>
+</file>
+
+<file path=ppt/slides/slide11.xml><?xml version="1.0" encoding="utf-8"?>
 <p:sld xmlns:a="http://schemas.openxmlformats.org/drawingml/2006/main" xmlns:r="http://schemas.openxmlformats.org/officeDocument/2006/relationships" xmlns:p="http://schemas.openxmlformats.org/presentationml/2006/main">
   <p:cSld>
     <p:spTree>
